--- a/LectureNotes/강의7.pptx
+++ b/LectureNotes/강의7.pptx
@@ -18,9 +18,12 @@
     <p:sldId id="282" r:id="rId12"/>
     <p:sldId id="281" r:id="rId13"/>
     <p:sldId id="283" r:id="rId14"/>
-    <p:sldId id="284" r:id="rId15"/>
-    <p:sldId id="285" r:id="rId16"/>
-    <p:sldId id="286" r:id="rId17"/>
+    <p:sldId id="287" r:id="rId15"/>
+    <p:sldId id="288" r:id="rId16"/>
+    <p:sldId id="289" r:id="rId17"/>
+    <p:sldId id="290" r:id="rId18"/>
+    <p:sldId id="291" r:id="rId19"/>
+    <p:sldId id="292" r:id="rId20"/>
   </p:sldIdLst>
   <p:sldSz cx="12192000" cy="6858000"/>
   <p:notesSz cx="6858000" cy="9144000"/>
@@ -274,7 +277,7 @@
           <a:p>
             <a:fld id="{7C25B3BD-06CC-40A9-B5E1-2F6ACA99B19E}" type="datetimeFigureOut">
               <a:rPr lang="ko-KR" altLang="en-US" smtClean="0"/>
-              <a:t>2023-11-09</a:t>
+              <a:t>2023-11-16</a:t>
             </a:fld>
             <a:endParaRPr lang="ko-KR" altLang="en-US"/>
           </a:p>
@@ -472,7 +475,7 @@
           <a:p>
             <a:fld id="{7C25B3BD-06CC-40A9-B5E1-2F6ACA99B19E}" type="datetimeFigureOut">
               <a:rPr lang="ko-KR" altLang="en-US" smtClean="0"/>
-              <a:t>2023-11-09</a:t>
+              <a:t>2023-11-16</a:t>
             </a:fld>
             <a:endParaRPr lang="ko-KR" altLang="en-US"/>
           </a:p>
@@ -680,7 +683,7 @@
           <a:p>
             <a:fld id="{7C25B3BD-06CC-40A9-B5E1-2F6ACA99B19E}" type="datetimeFigureOut">
               <a:rPr lang="ko-KR" altLang="en-US" smtClean="0"/>
-              <a:t>2023-11-09</a:t>
+              <a:t>2023-11-16</a:t>
             </a:fld>
             <a:endParaRPr lang="ko-KR" altLang="en-US"/>
           </a:p>
@@ -878,7 +881,7 @@
           <a:p>
             <a:fld id="{7C25B3BD-06CC-40A9-B5E1-2F6ACA99B19E}" type="datetimeFigureOut">
               <a:rPr lang="ko-KR" altLang="en-US" smtClean="0"/>
-              <a:t>2023-11-09</a:t>
+              <a:t>2023-11-16</a:t>
             </a:fld>
             <a:endParaRPr lang="ko-KR" altLang="en-US"/>
           </a:p>
@@ -1153,7 +1156,7 @@
           <a:p>
             <a:fld id="{7C25B3BD-06CC-40A9-B5E1-2F6ACA99B19E}" type="datetimeFigureOut">
               <a:rPr lang="ko-KR" altLang="en-US" smtClean="0"/>
-              <a:t>2023-11-09</a:t>
+              <a:t>2023-11-16</a:t>
             </a:fld>
             <a:endParaRPr lang="ko-KR" altLang="en-US"/>
           </a:p>
@@ -1418,7 +1421,7 @@
           <a:p>
             <a:fld id="{7C25B3BD-06CC-40A9-B5E1-2F6ACA99B19E}" type="datetimeFigureOut">
               <a:rPr lang="ko-KR" altLang="en-US" smtClean="0"/>
-              <a:t>2023-11-09</a:t>
+              <a:t>2023-11-16</a:t>
             </a:fld>
             <a:endParaRPr lang="ko-KR" altLang="en-US"/>
           </a:p>
@@ -1830,7 +1833,7 @@
           <a:p>
             <a:fld id="{7C25B3BD-06CC-40A9-B5E1-2F6ACA99B19E}" type="datetimeFigureOut">
               <a:rPr lang="ko-KR" altLang="en-US" smtClean="0"/>
-              <a:t>2023-11-09</a:t>
+              <a:t>2023-11-16</a:t>
             </a:fld>
             <a:endParaRPr lang="ko-KR" altLang="en-US"/>
           </a:p>
@@ -1971,7 +1974,7 @@
           <a:p>
             <a:fld id="{7C25B3BD-06CC-40A9-B5E1-2F6ACA99B19E}" type="datetimeFigureOut">
               <a:rPr lang="ko-KR" altLang="en-US" smtClean="0"/>
-              <a:t>2023-11-09</a:t>
+              <a:t>2023-11-16</a:t>
             </a:fld>
             <a:endParaRPr lang="ko-KR" altLang="en-US"/>
           </a:p>
@@ -2084,7 +2087,7 @@
           <a:p>
             <a:fld id="{7C25B3BD-06CC-40A9-B5E1-2F6ACA99B19E}" type="datetimeFigureOut">
               <a:rPr lang="ko-KR" altLang="en-US" smtClean="0"/>
-              <a:t>2023-11-09</a:t>
+              <a:t>2023-11-16</a:t>
             </a:fld>
             <a:endParaRPr lang="ko-KR" altLang="en-US"/>
           </a:p>
@@ -2395,7 +2398,7 @@
           <a:p>
             <a:fld id="{7C25B3BD-06CC-40A9-B5E1-2F6ACA99B19E}" type="datetimeFigureOut">
               <a:rPr lang="ko-KR" altLang="en-US" smtClean="0"/>
-              <a:t>2023-11-09</a:t>
+              <a:t>2023-11-16</a:t>
             </a:fld>
             <a:endParaRPr lang="ko-KR" altLang="en-US"/>
           </a:p>
@@ -2683,7 +2686,7 @@
           <a:p>
             <a:fld id="{7C25B3BD-06CC-40A9-B5E1-2F6ACA99B19E}" type="datetimeFigureOut">
               <a:rPr lang="ko-KR" altLang="en-US" smtClean="0"/>
-              <a:t>2023-11-09</a:t>
+              <a:t>2023-11-16</a:t>
             </a:fld>
             <a:endParaRPr lang="ko-KR" altLang="en-US"/>
           </a:p>
@@ -2924,7 +2927,7 @@
           <a:p>
             <a:fld id="{7C25B3BD-06CC-40A9-B5E1-2F6ACA99B19E}" type="datetimeFigureOut">
               <a:rPr lang="ko-KR" altLang="en-US" smtClean="0"/>
-              <a:t>2023-11-09</a:t>
+              <a:t>2023-11-16</a:t>
             </a:fld>
             <a:endParaRPr lang="ko-KR" altLang="en-US"/>
           </a:p>
@@ -3404,11 +3407,32 @@
               </a:rPr>
             </a:br>
             <a:r>
-              <a:rPr lang="ko-KR" altLang="en-US" sz="4400" dirty="0">
-                <a:latin typeface="KoPub돋움체 Bold" panose="00000800000000000000" pitchFamily="2" charset="-127"/>
-                <a:ea typeface="KoPub돋움체 Bold" panose="00000800000000000000" pitchFamily="2" charset="-127"/>
-              </a:rPr>
-              <a:t>행렬식</a:t>
+              <a:rPr lang="ko-KR" altLang="en-US" sz="4400" dirty="0" smtClean="0">
+                <a:latin typeface="KoPub돋움체 Bold" panose="00000800000000000000" pitchFamily="2" charset="-127"/>
+                <a:ea typeface="KoPub돋움체 Bold" panose="00000800000000000000" pitchFamily="2" charset="-127"/>
+              </a:rPr>
+              <a:t>행렬식과</a:t>
+            </a:r>
+            <a:r>
+              <a:rPr lang="en-US" altLang="ko-KR" sz="4400" dirty="0" smtClean="0">
+                <a:latin typeface="KoPub돋움체 Bold" panose="00000800000000000000" pitchFamily="2" charset="-127"/>
+                <a:ea typeface="KoPub돋움체 Bold" panose="00000800000000000000" pitchFamily="2" charset="-127"/>
+              </a:rPr>
+              <a:t> </a:t>
+            </a:r>
+            <a:r>
+              <a:rPr lang="ko-KR" altLang="en-US" sz="4400" dirty="0" err="1" smtClean="0">
+                <a:latin typeface="KoPub돋움체 Bold" panose="00000800000000000000" pitchFamily="2" charset="-127"/>
+                <a:ea typeface="KoPub돋움체 Bold" panose="00000800000000000000" pitchFamily="2" charset="-127"/>
+              </a:rPr>
+              <a:t>역행</a:t>
+            </a:r>
+            <a:r>
+              <a:rPr lang="ko-KR" altLang="en-US" sz="4400" dirty="0" err="1" smtClean="0">
+                <a:latin typeface="KoPub돋움체 Bold" panose="00000800000000000000" pitchFamily="2" charset="-127"/>
+                <a:ea typeface="KoPub돋움체 Bold" panose="00000800000000000000" pitchFamily="2" charset="-127"/>
+              </a:rPr>
+              <a:t>렬</a:t>
             </a:r>
             <a:endParaRPr lang="ko-KR" altLang="en-US" dirty="0">
               <a:latin typeface="KoPub돋움체 Bold" panose="00000800000000000000" pitchFamily="2" charset="-127"/>
@@ -4732,6 +4756,16 @@
             </a:r>
           </a:p>
           <a:p>
+            <a:r>
+              <a:rPr lang="en-US" altLang="ko-KR" sz="1200" b="0">
+                <a:solidFill>
+                  <a:srgbClr val="CCCCCC"/>
+                </a:solidFill>
+                <a:effectLst/>
+                <a:latin typeface="Consolas" panose="020B0609020204030204" pitchFamily="49" charset="0"/>
+              </a:rPr>
+              <a:t/>
+            </a:r>
             <a:br>
               <a:rPr lang="en-US" altLang="ko-KR" sz="1200" b="0">
                 <a:solidFill>
@@ -4783,6 +4817,16 @@
             </a:r>
           </a:p>
           <a:p>
+            <a:r>
+              <a:rPr lang="en-US" altLang="ko-KR" sz="1200" b="0">
+                <a:solidFill>
+                  <a:srgbClr val="CCCCCC"/>
+                </a:solidFill>
+                <a:effectLst/>
+                <a:latin typeface="Consolas" panose="020B0609020204030204" pitchFamily="49" charset="0"/>
+              </a:rPr>
+              <a:t/>
+            </a:r>
             <a:br>
               <a:rPr lang="en-US" altLang="ko-KR" sz="1200" b="0">
                 <a:solidFill>
@@ -5054,6 +5098,16 @@
             </a:r>
           </a:p>
           <a:p>
+            <a:r>
+              <a:rPr lang="en-US" altLang="ko-KR" sz="1200" b="0">
+                <a:solidFill>
+                  <a:srgbClr val="CCCCCC"/>
+                </a:solidFill>
+                <a:effectLst/>
+                <a:latin typeface="Consolas" panose="020B0609020204030204" pitchFamily="49" charset="0"/>
+              </a:rPr>
+              <a:t/>
+            </a:r>
             <a:br>
               <a:rPr lang="en-US" altLang="ko-KR" sz="1200" b="0">
                 <a:solidFill>
@@ -5364,13 +5418,7 @@
       </p:grpSpPr>
       <p:sp>
         <p:nvSpPr>
-          <p:cNvPr id="2" name="제목 1">
-            <a:extLst>
-              <a:ext uri="{FF2B5EF4-FFF2-40B4-BE49-F238E27FC236}">
-                <a16:creationId xmlns:a16="http://schemas.microsoft.com/office/drawing/2014/main" id="{B5D1DA61-EED6-AAD2-6BA9-36DEA89B3FDE}"/>
-              </a:ext>
-            </a:extLst>
-          </p:cNvPr>
+          <p:cNvPr id="2" name="제목 1"/>
           <p:cNvSpPr>
             <a:spLocks noGrp="1"/>
           </p:cNvSpPr>
@@ -5378,30 +5426,55 @@
             <p:ph type="title"/>
           </p:nvPr>
         </p:nvSpPr>
-        <p:spPr/>
-        <p:txBody>
-          <a:bodyPr/>
-          <a:lstStyle/>
-          <a:p>
-            <a:r>
-              <a:rPr lang="ko-KR" altLang="en-US" dirty="0">
-                <a:latin typeface="KoPub돋움체 Bold" panose="00000800000000000000" pitchFamily="2" charset="-127"/>
-                <a:ea typeface="KoPub돋움체 Bold" panose="00000800000000000000" pitchFamily="2" charset="-127"/>
-              </a:rPr>
-              <a:t>행렬식의 기하적 의미</a:t>
-            </a:r>
+        <p:spPr>
+          <a:xfrm>
+            <a:off x="77639" y="2867371"/>
+            <a:ext cx="2320506" cy="1217236"/>
+          </a:xfrm>
+        </p:spPr>
+        <p:txBody>
+          <a:bodyPr>
+            <a:normAutofit/>
+          </a:bodyPr>
+          <a:lstStyle/>
+          <a:p>
+            <a:r>
+              <a:rPr lang="ko-KR" altLang="en-US" sz="3600" smtClean="0">
+                <a:latin typeface="KoPub돋움체 Bold" panose="00000800000000000000" pitchFamily="2" charset="-127"/>
+                <a:ea typeface="KoPub돋움체 Bold" panose="00000800000000000000" pitchFamily="2" charset="-127"/>
+              </a:rPr>
+              <a:t>행렬식의 </a:t>
+            </a:r>
+            <a:r>
+              <a:rPr lang="en-US" altLang="ko-KR" sz="3600" dirty="0" smtClean="0">
+                <a:latin typeface="KoPub돋움체 Bold" panose="00000800000000000000" pitchFamily="2" charset="-127"/>
+                <a:ea typeface="KoPub돋움체 Bold" panose="00000800000000000000" pitchFamily="2" charset="-127"/>
+              </a:rPr>
+              <a:t/>
+            </a:r>
+            <a:br>
+              <a:rPr lang="en-US" altLang="ko-KR" sz="3600" dirty="0" smtClean="0">
+                <a:latin typeface="KoPub돋움체 Bold" panose="00000800000000000000" pitchFamily="2" charset="-127"/>
+                <a:ea typeface="KoPub돋움체 Bold" panose="00000800000000000000" pitchFamily="2" charset="-127"/>
+              </a:rPr>
+            </a:br>
+            <a:r>
+              <a:rPr lang="ko-KR" altLang="en-US" sz="3600" dirty="0" smtClean="0">
+                <a:latin typeface="KoPub돋움체 Bold" panose="00000800000000000000" pitchFamily="2" charset="-127"/>
+                <a:ea typeface="KoPub돋움체 Bold" panose="00000800000000000000" pitchFamily="2" charset="-127"/>
+              </a:rPr>
+              <a:t>기하적 의미</a:t>
+            </a:r>
+            <a:endParaRPr lang="ko-KR" altLang="en-US" sz="3600" dirty="0">
+              <a:latin typeface="KoPub돋움체 Bold" panose="00000800000000000000" pitchFamily="2" charset="-127"/>
+              <a:ea typeface="KoPub돋움체 Bold" panose="00000800000000000000" pitchFamily="2" charset="-127"/>
+            </a:endParaRPr>
           </a:p>
         </p:txBody>
       </p:sp>
       <p:pic>
         <p:nvPicPr>
-          <p:cNvPr id="4" name="그림 3">
-            <a:extLst>
-              <a:ext uri="{FF2B5EF4-FFF2-40B4-BE49-F238E27FC236}">
-                <a16:creationId xmlns:a16="http://schemas.microsoft.com/office/drawing/2014/main" id="{2EF94A23-AC07-6C40-69DF-2656C4A6930D}"/>
-              </a:ext>
-            </a:extLst>
-          </p:cNvPr>
+          <p:cNvPr id="4" name="그림 3"/>
           <p:cNvPicPr>
             <a:picLocks noChangeAspect="1"/>
           </p:cNvPicPr>
@@ -5415,8 +5488,8 @@
         </p:blipFill>
         <p:spPr>
           <a:xfrm>
-            <a:off x="2108200" y="1690688"/>
-            <a:ext cx="7116860" cy="4637144"/>
+            <a:off x="2799522" y="432590"/>
+            <a:ext cx="9311964" cy="6086799"/>
           </a:xfrm>
           <a:prstGeom prst="rect">
             <a:avLst/>
@@ -5425,32 +5498,31 @@
       </p:pic>
       <p:sp>
         <p:nvSpPr>
-          <p:cNvPr id="5" name="사각형: 둥근 모서리 4">
-            <a:extLst>
-              <a:ext uri="{FF2B5EF4-FFF2-40B4-BE49-F238E27FC236}">
-                <a16:creationId xmlns:a16="http://schemas.microsoft.com/office/drawing/2014/main" id="{17E4630D-AB7F-9670-079B-1A17B44A16D9}"/>
-              </a:ext>
-            </a:extLst>
-          </p:cNvPr>
+          <p:cNvPr id="5" name="모서리가 둥근 직사각형 4"/>
           <p:cNvSpPr/>
           <p:nvPr/>
         </p:nvSpPr>
         <p:spPr>
           <a:xfrm>
-            <a:off x="1152277" y="1524000"/>
-            <a:ext cx="9621740" cy="4803832"/>
+            <a:off x="2467154" y="250166"/>
+            <a:ext cx="9644331" cy="6349043"/>
           </a:xfrm>
           <a:prstGeom prst="roundRect">
             <a:avLst>
-              <a:gd name="adj" fmla="val 5704"/>
+              <a:gd name="adj" fmla="val 10009"/>
             </a:avLst>
           </a:prstGeom>
           <a:noFill/>
+          <a:ln w="28575">
+            <a:solidFill>
+              <a:srgbClr val="002060"/>
+            </a:solidFill>
+          </a:ln>
         </p:spPr>
         <p:style>
           <a:lnRef idx="2">
             <a:schemeClr val="accent1">
-              <a:shade val="15000"/>
+              <a:shade val="50000"/>
             </a:schemeClr>
           </a:lnRef>
           <a:fillRef idx="1">
@@ -5475,7 +5547,7 @@
     </p:spTree>
     <p:extLst>
       <p:ext uri="{BB962C8B-B14F-4D97-AF65-F5344CB8AC3E}">
-        <p14:creationId xmlns:p14="http://schemas.microsoft.com/office/powerpoint/2010/main" val="3253685968"/>
+        <p14:creationId xmlns:p14="http://schemas.microsoft.com/office/powerpoint/2010/main" val="2339371823"/>
       </p:ext>
     </p:extLst>
   </p:cSld>
@@ -5504,13 +5576,7 @@
       </p:grpSpPr>
       <p:sp>
         <p:nvSpPr>
-          <p:cNvPr id="2" name="제목 1">
-            <a:extLst>
-              <a:ext uri="{FF2B5EF4-FFF2-40B4-BE49-F238E27FC236}">
-                <a16:creationId xmlns:a16="http://schemas.microsoft.com/office/drawing/2014/main" id="{B5D1DA61-EED6-AAD2-6BA9-36DEA89B3FDE}"/>
-              </a:ext>
-            </a:extLst>
-          </p:cNvPr>
+          <p:cNvPr id="2" name="제목 1"/>
           <p:cNvSpPr>
             <a:spLocks noGrp="1"/>
           </p:cNvSpPr>
@@ -5518,49 +5584,110 @@
             <p:ph type="title"/>
           </p:nvPr>
         </p:nvSpPr>
-        <p:spPr/>
-        <p:txBody>
-          <a:bodyPr/>
-          <a:lstStyle/>
-          <a:p>
-            <a:r>
-              <a:rPr lang="ko-KR" altLang="en-US" dirty="0">
-                <a:latin typeface="KoPub돋움체 Bold" panose="00000800000000000000" pitchFamily="2" charset="-127"/>
-                <a:ea typeface="KoPub돋움체 Bold" panose="00000800000000000000" pitchFamily="2" charset="-127"/>
-              </a:rPr>
-              <a:t>행렬식의 기하적 의미</a:t>
-            </a:r>
-          </a:p>
-        </p:txBody>
-      </p:sp>
-      <p:sp>
-        <p:nvSpPr>
-          <p:cNvPr id="5" name="사각형: 둥근 모서리 4">
-            <a:extLst>
-              <a:ext uri="{FF2B5EF4-FFF2-40B4-BE49-F238E27FC236}">
-                <a16:creationId xmlns:a16="http://schemas.microsoft.com/office/drawing/2014/main" id="{17E4630D-AB7F-9670-079B-1A17B44A16D9}"/>
-              </a:ext>
-            </a:extLst>
-          </p:cNvPr>
+        <p:spPr>
+          <a:xfrm>
+            <a:off x="311988" y="1650461"/>
+            <a:ext cx="2448464" cy="764935"/>
+          </a:xfrm>
+        </p:spPr>
+        <p:txBody>
+          <a:bodyPr>
+            <a:noAutofit/>
+          </a:bodyPr>
+          <a:lstStyle/>
+          <a:p>
+            <a:r>
+              <a:rPr lang="en-US" altLang="ko-KR" sz="2800" dirty="0" smtClean="0">
+                <a:latin typeface="KoPub돋움체 Bold" panose="00000800000000000000" pitchFamily="2" charset="-127"/>
+                <a:ea typeface="KoPub돋움체 Bold" panose="00000800000000000000" pitchFamily="2" charset="-127"/>
+              </a:rPr>
+              <a:t>3x3 </a:t>
+            </a:r>
+            <a:r>
+              <a:rPr lang="ko-KR" altLang="en-US" sz="2800" dirty="0" smtClean="0">
+                <a:latin typeface="KoPub돋움체 Bold" panose="00000800000000000000" pitchFamily="2" charset="-127"/>
+                <a:ea typeface="KoPub돋움체 Bold" panose="00000800000000000000" pitchFamily="2" charset="-127"/>
+              </a:rPr>
+              <a:t>행렬의 </a:t>
+            </a:r>
+            <a:r>
+              <a:rPr lang="en-US" altLang="ko-KR" sz="2800" dirty="0" smtClean="0">
+                <a:latin typeface="KoPub돋움체 Bold" panose="00000800000000000000" pitchFamily="2" charset="-127"/>
+                <a:ea typeface="KoPub돋움체 Bold" panose="00000800000000000000" pitchFamily="2" charset="-127"/>
+              </a:rPr>
+              <a:t/>
+            </a:r>
+            <a:br>
+              <a:rPr lang="en-US" altLang="ko-KR" sz="2800" dirty="0" smtClean="0">
+                <a:latin typeface="KoPub돋움체 Bold" panose="00000800000000000000" pitchFamily="2" charset="-127"/>
+                <a:ea typeface="KoPub돋움체 Bold" panose="00000800000000000000" pitchFamily="2" charset="-127"/>
+              </a:rPr>
+            </a:br>
+            <a:r>
+              <a:rPr lang="ko-KR" altLang="en-US" sz="2800" dirty="0" smtClean="0">
+                <a:latin typeface="KoPub돋움체 Bold" panose="00000800000000000000" pitchFamily="2" charset="-127"/>
+                <a:ea typeface="KoPub돋움체 Bold" panose="00000800000000000000" pitchFamily="2" charset="-127"/>
+              </a:rPr>
+              <a:t>기하적 이해</a:t>
+            </a:r>
+            <a:endParaRPr lang="ko-KR" altLang="en-US" sz="2800" dirty="0">
+              <a:latin typeface="KoPub돋움체 Bold" panose="00000800000000000000" pitchFamily="2" charset="-127"/>
+              <a:ea typeface="KoPub돋움체 Bold" panose="00000800000000000000" pitchFamily="2" charset="-127"/>
+            </a:endParaRPr>
+          </a:p>
+        </p:txBody>
+      </p:sp>
+      <p:pic>
+        <p:nvPicPr>
+          <p:cNvPr id="4" name="그림 3"/>
+          <p:cNvPicPr>
+            <a:picLocks noChangeAspect="1"/>
+          </p:cNvPicPr>
+          <p:nvPr/>
+        </p:nvPicPr>
+        <p:blipFill>
+          <a:blip r:embed="rId2"/>
+          <a:stretch>
+            <a:fillRect/>
+          </a:stretch>
+        </p:blipFill>
+        <p:spPr>
+          <a:xfrm>
+            <a:off x="2958860" y="478599"/>
+            <a:ext cx="8522898" cy="6059319"/>
+          </a:xfrm>
+          <a:prstGeom prst="rect">
+            <a:avLst/>
+          </a:prstGeom>
+        </p:spPr>
+      </p:pic>
+      <p:sp>
+        <p:nvSpPr>
+          <p:cNvPr id="5" name="모서리가 둥근 직사각형 4"/>
           <p:cNvSpPr/>
           <p:nvPr/>
         </p:nvSpPr>
         <p:spPr>
           <a:xfrm>
-            <a:off x="1152277" y="1524000"/>
-            <a:ext cx="9621740" cy="4803832"/>
+            <a:off x="2467154" y="250166"/>
+            <a:ext cx="9644331" cy="6349043"/>
           </a:xfrm>
           <a:prstGeom prst="roundRect">
             <a:avLst>
-              <a:gd name="adj" fmla="val 5704"/>
+              <a:gd name="adj" fmla="val 10009"/>
             </a:avLst>
           </a:prstGeom>
           <a:noFill/>
+          <a:ln w="28575">
+            <a:solidFill>
+              <a:srgbClr val="002060"/>
+            </a:solidFill>
+          </a:ln>
         </p:spPr>
         <p:style>
           <a:lnRef idx="2">
             <a:schemeClr val="accent1">
-              <a:shade val="15000"/>
+              <a:shade val="50000"/>
             </a:schemeClr>
           </a:lnRef>
           <a:fillRef idx="1">
@@ -5582,40 +5709,10 @@
           </a:p>
         </p:txBody>
       </p:sp>
-      <p:pic>
-        <p:nvPicPr>
-          <p:cNvPr id="3" name="그림 2">
-            <a:extLst>
-              <a:ext uri="{FF2B5EF4-FFF2-40B4-BE49-F238E27FC236}">
-                <a16:creationId xmlns:a16="http://schemas.microsoft.com/office/drawing/2014/main" id="{786C70E0-D195-50F9-BF8F-9F4557AB5F4C}"/>
-              </a:ext>
-            </a:extLst>
-          </p:cNvPr>
-          <p:cNvPicPr>
-            <a:picLocks noChangeAspect="1"/>
-          </p:cNvPicPr>
-          <p:nvPr/>
-        </p:nvPicPr>
-        <p:blipFill>
-          <a:blip r:embed="rId2"/>
-          <a:stretch>
-            <a:fillRect/>
-          </a:stretch>
-        </p:blipFill>
-        <p:spPr>
-          <a:xfrm>
-            <a:off x="2769221" y="1690688"/>
-            <a:ext cx="6653557" cy="4447978"/>
-          </a:xfrm>
-          <a:prstGeom prst="rect">
-            <a:avLst/>
-          </a:prstGeom>
-        </p:spPr>
-      </p:pic>
     </p:spTree>
     <p:extLst>
       <p:ext uri="{BB962C8B-B14F-4D97-AF65-F5344CB8AC3E}">
-        <p14:creationId xmlns:p14="http://schemas.microsoft.com/office/powerpoint/2010/main" val="3497893024"/>
+        <p14:creationId xmlns:p14="http://schemas.microsoft.com/office/powerpoint/2010/main" val="2179841053"/>
       </p:ext>
     </p:extLst>
   </p:cSld>
@@ -5644,13 +5741,7 @@
       </p:grpSpPr>
       <p:sp>
         <p:nvSpPr>
-          <p:cNvPr id="2" name="제목 1">
-            <a:extLst>
-              <a:ext uri="{FF2B5EF4-FFF2-40B4-BE49-F238E27FC236}">
-                <a16:creationId xmlns:a16="http://schemas.microsoft.com/office/drawing/2014/main" id="{9CB12A76-684A-661B-1E1B-6DF1C38A6342}"/>
-              </a:ext>
-            </a:extLst>
-          </p:cNvPr>
+          <p:cNvPr id="2" name="제목 1"/>
           <p:cNvSpPr>
             <a:spLocks noGrp="1"/>
           </p:cNvSpPr>
@@ -5660,33 +5751,74 @@
         </p:nvSpPr>
         <p:spPr>
           <a:xfrm>
-            <a:off x="838200" y="365125"/>
-            <a:ext cx="10515600" cy="828675"/>
-          </a:xfrm>
-        </p:spPr>
-        <p:txBody>
-          <a:bodyPr/>
-          <a:lstStyle/>
-          <a:p>
-            <a:r>
-              <a:rPr lang="ko-KR" altLang="en-US" dirty="0">
-                <a:latin typeface="KoPub돋움체 Bold" panose="00000800000000000000" pitchFamily="2" charset="-127"/>
-                <a:ea typeface="KoPub돋움체 Bold" panose="00000800000000000000" pitchFamily="2" charset="-127"/>
-              </a:rPr>
-              <a:t>행렬과 행렬식의 기하적 의미</a:t>
-            </a:r>
+            <a:off x="311987" y="3306733"/>
+            <a:ext cx="3975341" cy="764935"/>
+          </a:xfrm>
+        </p:spPr>
+        <p:txBody>
+          <a:bodyPr>
+            <a:noAutofit/>
+          </a:bodyPr>
+          <a:lstStyle/>
+          <a:p>
+            <a:r>
+              <a:rPr lang="ko-KR" altLang="en-US" sz="2800" dirty="0" err="1" smtClean="0">
+                <a:latin typeface="KoPub돋움체 Bold" panose="00000800000000000000" pitchFamily="2" charset="-127"/>
+                <a:ea typeface="KoPub돋움체 Bold" panose="00000800000000000000" pitchFamily="2" charset="-127"/>
+              </a:rPr>
+              <a:t>변환으로서의</a:t>
+            </a:r>
+            <a:r>
+              <a:rPr lang="en-US" altLang="ko-KR" sz="2800" dirty="0">
+                <a:latin typeface="KoPub돋움체 Bold" panose="00000800000000000000" pitchFamily="2" charset="-127"/>
+                <a:ea typeface="KoPub돋움체 Bold" panose="00000800000000000000" pitchFamily="2" charset="-127"/>
+              </a:rPr>
+              <a:t> </a:t>
+            </a:r>
+            <a:r>
+              <a:rPr lang="en-US" altLang="ko-KR" sz="2800" dirty="0" smtClean="0">
+                <a:latin typeface="KoPub돋움체 Bold" panose="00000800000000000000" pitchFamily="2" charset="-127"/>
+                <a:ea typeface="KoPub돋움체 Bold" panose="00000800000000000000" pitchFamily="2" charset="-127"/>
+              </a:rPr>
+              <a:t>3x3 </a:t>
+            </a:r>
+            <a:r>
+              <a:rPr lang="ko-KR" altLang="en-US" sz="2800" dirty="0" smtClean="0">
+                <a:latin typeface="KoPub돋움체 Bold" panose="00000800000000000000" pitchFamily="2" charset="-127"/>
+                <a:ea typeface="KoPub돋움체 Bold" panose="00000800000000000000" pitchFamily="2" charset="-127"/>
+              </a:rPr>
+              <a:t>행렬과 </a:t>
+            </a:r>
+            <a:r>
+              <a:rPr lang="en-US" altLang="ko-KR" sz="2800" dirty="0" smtClean="0">
+                <a:latin typeface="KoPub돋움체 Bold" panose="00000800000000000000" pitchFamily="2" charset="-127"/>
+                <a:ea typeface="KoPub돋움체 Bold" panose="00000800000000000000" pitchFamily="2" charset="-127"/>
+              </a:rPr>
+              <a:t/>
+            </a:r>
+            <a:br>
+              <a:rPr lang="en-US" altLang="ko-KR" sz="2800" dirty="0" smtClean="0">
+                <a:latin typeface="KoPub돋움체 Bold" panose="00000800000000000000" pitchFamily="2" charset="-127"/>
+                <a:ea typeface="KoPub돋움체 Bold" panose="00000800000000000000" pitchFamily="2" charset="-127"/>
+              </a:rPr>
+            </a:br>
+            <a:r>
+              <a:rPr lang="ko-KR" altLang="en-US" sz="2800" dirty="0" smtClean="0">
+                <a:latin typeface="KoPub돋움체 Bold" panose="00000800000000000000" pitchFamily="2" charset="-127"/>
+                <a:ea typeface="KoPub돋움체 Bold" panose="00000800000000000000" pitchFamily="2" charset="-127"/>
+              </a:rPr>
+              <a:t>행렬식의 이해</a:t>
+            </a:r>
+            <a:endParaRPr lang="ko-KR" altLang="en-US" sz="2800" dirty="0">
+              <a:latin typeface="KoPub돋움체 Bold" panose="00000800000000000000" pitchFamily="2" charset="-127"/>
+              <a:ea typeface="KoPub돋움체 Bold" panose="00000800000000000000" pitchFamily="2" charset="-127"/>
+            </a:endParaRPr>
           </a:p>
         </p:txBody>
       </p:sp>
       <p:pic>
         <p:nvPicPr>
-          <p:cNvPr id="4" name="그림 3">
-            <a:extLst>
-              <a:ext uri="{FF2B5EF4-FFF2-40B4-BE49-F238E27FC236}">
-                <a16:creationId xmlns:a16="http://schemas.microsoft.com/office/drawing/2014/main" id="{00CA9D90-88BF-109B-2D1D-77AEA72CD3C9}"/>
-              </a:ext>
-            </a:extLst>
-          </p:cNvPr>
+          <p:cNvPr id="3" name="그림 2"/>
           <p:cNvPicPr>
             <a:picLocks noChangeAspect="1"/>
           </p:cNvPicPr>
@@ -5700,8 +5832,167 @@
         </p:blipFill>
         <p:spPr>
           <a:xfrm>
-            <a:off x="2560251" y="1193800"/>
-            <a:ext cx="6748849" cy="5565544"/>
+            <a:off x="4491145" y="649638"/>
+            <a:ext cx="7133516" cy="5949571"/>
+          </a:xfrm>
+          <a:prstGeom prst="rect">
+            <a:avLst/>
+          </a:prstGeom>
+        </p:spPr>
+      </p:pic>
+      <p:sp>
+        <p:nvSpPr>
+          <p:cNvPr id="5" name="모서리가 둥근 직사각형 4"/>
+          <p:cNvSpPr/>
+          <p:nvPr/>
+        </p:nvSpPr>
+        <p:spPr>
+          <a:xfrm>
+            <a:off x="4287328" y="250166"/>
+            <a:ext cx="7824157" cy="6349043"/>
+          </a:xfrm>
+          <a:prstGeom prst="roundRect">
+            <a:avLst>
+              <a:gd name="adj" fmla="val 10009"/>
+            </a:avLst>
+          </a:prstGeom>
+          <a:noFill/>
+          <a:ln w="28575">
+            <a:solidFill>
+              <a:srgbClr val="002060"/>
+            </a:solidFill>
+          </a:ln>
+        </p:spPr>
+        <p:style>
+          <a:lnRef idx="2">
+            <a:schemeClr val="accent1">
+              <a:shade val="50000"/>
+            </a:schemeClr>
+          </a:lnRef>
+          <a:fillRef idx="1">
+            <a:schemeClr val="accent1"/>
+          </a:fillRef>
+          <a:effectRef idx="0">
+            <a:schemeClr val="accent1"/>
+          </a:effectRef>
+          <a:fontRef idx="minor">
+            <a:schemeClr val="lt1"/>
+          </a:fontRef>
+        </p:style>
+        <p:txBody>
+          <a:bodyPr rtlCol="0" anchor="ctr"/>
+          <a:lstStyle/>
+          <a:p>
+            <a:pPr algn="ctr"/>
+            <a:endParaRPr lang="ko-KR" altLang="en-US"/>
+          </a:p>
+        </p:txBody>
+      </p:sp>
+    </p:spTree>
+    <p:extLst>
+      <p:ext uri="{BB962C8B-B14F-4D97-AF65-F5344CB8AC3E}">
+        <p14:creationId xmlns:p14="http://schemas.microsoft.com/office/powerpoint/2010/main" val="2081260945"/>
+      </p:ext>
+    </p:extLst>
+  </p:cSld>
+  <p:clrMapOvr>
+    <a:masterClrMapping/>
+  </p:clrMapOvr>
+</p:sld>
+</file>
+
+<file path=ppt/slides/slide17.xml><?xml version="1.0" encoding="utf-8"?>
+<p:sld xmlns:a="http://schemas.openxmlformats.org/drawingml/2006/main" xmlns:r="http://schemas.openxmlformats.org/officeDocument/2006/relationships" xmlns:p="http://schemas.openxmlformats.org/presentationml/2006/main">
+  <p:cSld>
+    <p:spTree>
+      <p:nvGrpSpPr>
+        <p:cNvPr id="1" name=""/>
+        <p:cNvGrpSpPr/>
+        <p:nvPr/>
+      </p:nvGrpSpPr>
+      <p:grpSpPr>
+        <a:xfrm>
+          <a:off x="0" y="0"/>
+          <a:ext cx="0" cy="0"/>
+          <a:chOff x="0" y="0"/>
+          <a:chExt cx="0" cy="0"/>
+        </a:xfrm>
+      </p:grpSpPr>
+      <p:sp>
+        <p:nvSpPr>
+          <p:cNvPr id="2" name="제목 1"/>
+          <p:cNvSpPr>
+            <a:spLocks noGrp="1"/>
+          </p:cNvSpPr>
+          <p:nvPr>
+            <p:ph type="title"/>
+          </p:nvPr>
+        </p:nvSpPr>
+        <p:spPr/>
+        <p:txBody>
+          <a:bodyPr/>
+          <a:lstStyle/>
+          <a:p>
+            <a:r>
+              <a:rPr lang="ko-KR" altLang="en-US" dirty="0" smtClean="0">
+                <a:latin typeface="KoPub돋움체 Bold" panose="00000800000000000000" pitchFamily="2" charset="-127"/>
+                <a:ea typeface="KoPub돋움체 Bold" panose="00000800000000000000" pitchFamily="2" charset="-127"/>
+              </a:rPr>
+              <a:t>행렬식의 특성</a:t>
+            </a:r>
+            <a:endParaRPr lang="ko-KR" altLang="en-US" dirty="0">
+              <a:latin typeface="KoPub돋움체 Bold" panose="00000800000000000000" pitchFamily="2" charset="-127"/>
+              <a:ea typeface="KoPub돋움체 Bold" panose="00000800000000000000" pitchFamily="2" charset="-127"/>
+            </a:endParaRPr>
+          </a:p>
+        </p:txBody>
+      </p:sp>
+      <p:sp>
+        <p:nvSpPr>
+          <p:cNvPr id="3" name="내용 개체 틀 2"/>
+          <p:cNvSpPr>
+            <a:spLocks noGrp="1"/>
+          </p:cNvSpPr>
+          <p:nvPr>
+            <p:ph idx="1"/>
+          </p:nvPr>
+        </p:nvSpPr>
+        <p:spPr/>
+        <p:txBody>
+          <a:bodyPr/>
+          <a:lstStyle/>
+          <a:p>
+            <a:r>
+              <a:rPr lang="ko-KR" altLang="en-US" dirty="0" smtClean="0">
+                <a:latin typeface="KoPub돋움체 Bold" panose="00000800000000000000" pitchFamily="2" charset="-127"/>
+                <a:ea typeface="KoPub돋움체 Bold" panose="00000800000000000000" pitchFamily="2" charset="-127"/>
+              </a:rPr>
+              <a:t>몇 가지 기억해 둘 행렬식의 특성</a:t>
+            </a:r>
+            <a:endParaRPr lang="ko-KR" altLang="en-US" dirty="0">
+              <a:latin typeface="KoPub돋움체 Bold" panose="00000800000000000000" pitchFamily="2" charset="-127"/>
+              <a:ea typeface="KoPub돋움체 Bold" panose="00000800000000000000" pitchFamily="2" charset="-127"/>
+            </a:endParaRPr>
+          </a:p>
+        </p:txBody>
+      </p:sp>
+      <p:pic>
+        <p:nvPicPr>
+          <p:cNvPr id="4" name="그림 3"/>
+          <p:cNvPicPr>
+            <a:picLocks noChangeAspect="1"/>
+          </p:cNvPicPr>
+          <p:nvPr/>
+        </p:nvPicPr>
+        <p:blipFill rotWithShape="1">
+          <a:blip r:embed="rId2"/>
+          <a:srcRect l="36883" t="20810"/>
+          <a:stretch/>
+        </p:blipFill>
+        <p:spPr>
+          <a:xfrm>
+            <a:off x="3355674" y="2803585"/>
+            <a:ext cx="4593715" cy="2632816"/>
           </a:xfrm>
           <a:prstGeom prst="rect">
             <a:avLst/>
@@ -5711,7 +6002,292 @@
     </p:spTree>
     <p:extLst>
       <p:ext uri="{BB962C8B-B14F-4D97-AF65-F5344CB8AC3E}">
-        <p14:creationId xmlns:p14="http://schemas.microsoft.com/office/powerpoint/2010/main" val="384569561"/>
+        <p14:creationId xmlns:p14="http://schemas.microsoft.com/office/powerpoint/2010/main" val="2909734955"/>
+      </p:ext>
+    </p:extLst>
+  </p:cSld>
+  <p:clrMapOvr>
+    <a:masterClrMapping/>
+  </p:clrMapOvr>
+</p:sld>
+</file>
+
+<file path=ppt/slides/slide18.xml><?xml version="1.0" encoding="utf-8"?>
+<p:sld xmlns:a="http://schemas.openxmlformats.org/drawingml/2006/main" xmlns:r="http://schemas.openxmlformats.org/officeDocument/2006/relationships" xmlns:p="http://schemas.openxmlformats.org/presentationml/2006/main">
+  <p:cSld>
+    <p:spTree>
+      <p:nvGrpSpPr>
+        <p:cNvPr id="1" name=""/>
+        <p:cNvGrpSpPr/>
+        <p:nvPr/>
+      </p:nvGrpSpPr>
+      <p:grpSpPr>
+        <a:xfrm>
+          <a:off x="0" y="0"/>
+          <a:ext cx="0" cy="0"/>
+          <a:chOff x="0" y="0"/>
+          <a:chExt cx="0" cy="0"/>
+        </a:xfrm>
+      </p:grpSpPr>
+      <p:sp>
+        <p:nvSpPr>
+          <p:cNvPr id="2" name="제목 1"/>
+          <p:cNvSpPr>
+            <a:spLocks noGrp="1"/>
+          </p:cNvSpPr>
+          <p:nvPr>
+            <p:ph type="title"/>
+          </p:nvPr>
+        </p:nvSpPr>
+        <p:spPr>
+          <a:xfrm>
+            <a:off x="838200" y="365126"/>
+            <a:ext cx="10515600" cy="626912"/>
+          </a:xfrm>
+        </p:spPr>
+        <p:txBody>
+          <a:bodyPr>
+            <a:normAutofit fontScale="90000"/>
+          </a:bodyPr>
+          <a:lstStyle/>
+          <a:p>
+            <a:r>
+              <a:rPr lang="ko-KR" altLang="en-US" dirty="0" err="1" smtClean="0">
+                <a:latin typeface="KoPub돋움체 Bold" panose="00000800000000000000" pitchFamily="2" charset="-127"/>
+                <a:ea typeface="KoPub돋움체 Bold" panose="00000800000000000000" pitchFamily="2" charset="-127"/>
+              </a:rPr>
+              <a:t>역행렬</a:t>
+            </a:r>
+            <a:endParaRPr lang="ko-KR" altLang="en-US" dirty="0">
+              <a:latin typeface="KoPub돋움체 Bold" panose="00000800000000000000" pitchFamily="2" charset="-127"/>
+              <a:ea typeface="KoPub돋움체 Bold" panose="00000800000000000000" pitchFamily="2" charset="-127"/>
+            </a:endParaRPr>
+          </a:p>
+        </p:txBody>
+      </p:sp>
+      <p:pic>
+        <p:nvPicPr>
+          <p:cNvPr id="4" name="내용 개체 틀 3"/>
+          <p:cNvPicPr>
+            <a:picLocks noGrp="1" noChangeAspect="1"/>
+          </p:cNvPicPr>
+          <p:nvPr>
+            <p:ph idx="1"/>
+          </p:nvPr>
+        </p:nvPicPr>
+        <p:blipFill>
+          <a:blip r:embed="rId2"/>
+          <a:stretch>
+            <a:fillRect/>
+          </a:stretch>
+        </p:blipFill>
+        <p:spPr>
+          <a:xfrm>
+            <a:off x="2134256" y="1286950"/>
+            <a:ext cx="8778159" cy="5017346"/>
+          </a:xfrm>
+          <a:prstGeom prst="rect">
+            <a:avLst/>
+          </a:prstGeom>
+        </p:spPr>
+      </p:pic>
+      <p:sp>
+        <p:nvSpPr>
+          <p:cNvPr id="5" name="모서리가 둥근 직사각형 4"/>
+          <p:cNvSpPr/>
+          <p:nvPr/>
+        </p:nvSpPr>
+        <p:spPr>
+          <a:xfrm>
+            <a:off x="1975450" y="992038"/>
+            <a:ext cx="9566693" cy="5607171"/>
+          </a:xfrm>
+          <a:prstGeom prst="roundRect">
+            <a:avLst>
+              <a:gd name="adj" fmla="val 10009"/>
+            </a:avLst>
+          </a:prstGeom>
+          <a:noFill/>
+          <a:ln w="28575">
+            <a:solidFill>
+              <a:srgbClr val="002060"/>
+            </a:solidFill>
+          </a:ln>
+        </p:spPr>
+        <p:style>
+          <a:lnRef idx="2">
+            <a:schemeClr val="accent1">
+              <a:shade val="50000"/>
+            </a:schemeClr>
+          </a:lnRef>
+          <a:fillRef idx="1">
+            <a:schemeClr val="accent1"/>
+          </a:fillRef>
+          <a:effectRef idx="0">
+            <a:schemeClr val="accent1"/>
+          </a:effectRef>
+          <a:fontRef idx="minor">
+            <a:schemeClr val="lt1"/>
+          </a:fontRef>
+        </p:style>
+        <p:txBody>
+          <a:bodyPr rtlCol="0" anchor="ctr"/>
+          <a:lstStyle/>
+          <a:p>
+            <a:pPr algn="ctr"/>
+            <a:endParaRPr lang="ko-KR" altLang="en-US"/>
+          </a:p>
+        </p:txBody>
+      </p:sp>
+    </p:spTree>
+    <p:extLst>
+      <p:ext uri="{BB962C8B-B14F-4D97-AF65-F5344CB8AC3E}">
+        <p14:creationId xmlns:p14="http://schemas.microsoft.com/office/powerpoint/2010/main" val="3100601292"/>
+      </p:ext>
+    </p:extLst>
+  </p:cSld>
+  <p:clrMapOvr>
+    <a:masterClrMapping/>
+  </p:clrMapOvr>
+</p:sld>
+</file>
+
+<file path=ppt/slides/slide19.xml><?xml version="1.0" encoding="utf-8"?>
+<p:sld xmlns:a="http://schemas.openxmlformats.org/drawingml/2006/main" xmlns:r="http://schemas.openxmlformats.org/officeDocument/2006/relationships" xmlns:p="http://schemas.openxmlformats.org/presentationml/2006/main">
+  <p:cSld>
+    <p:spTree>
+      <p:nvGrpSpPr>
+        <p:cNvPr id="1" name=""/>
+        <p:cNvGrpSpPr/>
+        <p:nvPr/>
+      </p:nvGrpSpPr>
+      <p:grpSpPr>
+        <a:xfrm>
+          <a:off x="0" y="0"/>
+          <a:ext cx="0" cy="0"/>
+          <a:chOff x="0" y="0"/>
+          <a:chExt cx="0" cy="0"/>
+        </a:xfrm>
+      </p:grpSpPr>
+      <p:sp>
+        <p:nvSpPr>
+          <p:cNvPr id="2" name="제목 1"/>
+          <p:cNvSpPr>
+            <a:spLocks noGrp="1"/>
+          </p:cNvSpPr>
+          <p:nvPr>
+            <p:ph type="title"/>
+          </p:nvPr>
+        </p:nvSpPr>
+        <p:spPr>
+          <a:xfrm>
+            <a:off x="838200" y="365125"/>
+            <a:ext cx="10515600" cy="626913"/>
+          </a:xfrm>
+        </p:spPr>
+        <p:txBody>
+          <a:bodyPr>
+            <a:normAutofit fontScale="90000"/>
+          </a:bodyPr>
+          <a:lstStyle/>
+          <a:p>
+            <a:r>
+              <a:rPr lang="ko-KR" altLang="en-US" dirty="0" err="1" smtClean="0">
+                <a:latin typeface="KoPub돋움체 Bold" panose="00000800000000000000" pitchFamily="2" charset="-127"/>
+                <a:ea typeface="KoPub돋움체 Bold" panose="00000800000000000000" pitchFamily="2" charset="-127"/>
+              </a:rPr>
+              <a:t>역행렬의</a:t>
+            </a:r>
+            <a:r>
+              <a:rPr lang="ko-KR" altLang="en-US" dirty="0" smtClean="0">
+                <a:latin typeface="KoPub돋움체 Bold" panose="00000800000000000000" pitchFamily="2" charset="-127"/>
+                <a:ea typeface="KoPub돋움체 Bold" panose="00000800000000000000" pitchFamily="2" charset="-127"/>
+              </a:rPr>
+              <a:t> 계산</a:t>
+            </a:r>
+            <a:endParaRPr lang="ko-KR" altLang="en-US" dirty="0">
+              <a:latin typeface="KoPub돋움체 Bold" panose="00000800000000000000" pitchFamily="2" charset="-127"/>
+              <a:ea typeface="KoPub돋움체 Bold" panose="00000800000000000000" pitchFamily="2" charset="-127"/>
+            </a:endParaRPr>
+          </a:p>
+        </p:txBody>
+      </p:sp>
+      <p:pic>
+        <p:nvPicPr>
+          <p:cNvPr id="4" name="그림 3"/>
+          <p:cNvPicPr>
+            <a:picLocks noChangeAspect="1"/>
+          </p:cNvPicPr>
+          <p:nvPr/>
+        </p:nvPicPr>
+        <p:blipFill>
+          <a:blip r:embed="rId2"/>
+          <a:stretch>
+            <a:fillRect/>
+          </a:stretch>
+        </p:blipFill>
+        <p:spPr>
+          <a:xfrm>
+            <a:off x="2268748" y="1231450"/>
+            <a:ext cx="7865670" cy="5273390"/>
+          </a:xfrm>
+          <a:prstGeom prst="rect">
+            <a:avLst/>
+          </a:prstGeom>
+        </p:spPr>
+      </p:pic>
+      <p:sp>
+        <p:nvSpPr>
+          <p:cNvPr id="5" name="모서리가 둥근 직사각형 4"/>
+          <p:cNvSpPr/>
+          <p:nvPr/>
+        </p:nvSpPr>
+        <p:spPr>
+          <a:xfrm>
+            <a:off x="1975450" y="992038"/>
+            <a:ext cx="9566693" cy="5607171"/>
+          </a:xfrm>
+          <a:prstGeom prst="roundRect">
+            <a:avLst>
+              <a:gd name="adj" fmla="val 10009"/>
+            </a:avLst>
+          </a:prstGeom>
+          <a:noFill/>
+          <a:ln w="28575">
+            <a:solidFill>
+              <a:srgbClr val="002060"/>
+            </a:solidFill>
+          </a:ln>
+        </p:spPr>
+        <p:style>
+          <a:lnRef idx="2">
+            <a:schemeClr val="accent1">
+              <a:shade val="50000"/>
+            </a:schemeClr>
+          </a:lnRef>
+          <a:fillRef idx="1">
+            <a:schemeClr val="accent1"/>
+          </a:fillRef>
+          <a:effectRef idx="0">
+            <a:schemeClr val="accent1"/>
+          </a:effectRef>
+          <a:fontRef idx="minor">
+            <a:schemeClr val="lt1"/>
+          </a:fontRef>
+        </p:style>
+        <p:txBody>
+          <a:bodyPr rtlCol="0" anchor="ctr"/>
+          <a:lstStyle/>
+          <a:p>
+            <a:pPr algn="ctr"/>
+            <a:endParaRPr lang="ko-KR" altLang="en-US"/>
+          </a:p>
+        </p:txBody>
+      </p:sp>
+    </p:spTree>
+    <p:extLst>
+      <p:ext uri="{BB962C8B-B14F-4D97-AF65-F5344CB8AC3E}">
+        <p14:creationId xmlns:p14="http://schemas.microsoft.com/office/powerpoint/2010/main" val="2357635048"/>
       </p:ext>
     </p:extLst>
   </p:cSld>
@@ -7618,7 +8194,7 @@
           <p:nvPr/>
         </p:nvPicPr>
         <p:blipFill>
-          <a:blip r:embed="rId4">
+          <a:blip r:embed="rId4" cstate="hqprint">
             <a:extLst>
               <a:ext uri="{28A0092B-C50C-407E-A947-70E740481C1C}">
                 <a14:useLocalDpi xmlns:a14="http://schemas.microsoft.com/office/drawing/2010/main" val="0"/>
